--- a/API/API架構.pptx
+++ b/API/API架構.pptx
@@ -243,7 +243,7 @@
           <a:p>
             <a:fld id="{1275B7D5-ECED-DF4E-BB73-B5E0B2FB5FA7}" type="datetimeFigureOut">
               <a:rPr kumimoji="1" lang="zh-TW" altLang="en-US" smtClean="0"/>
-              <a:t>2019/5/2</a:t>
+              <a:t>2019/5/3</a:t>
             </a:fld>
             <a:endParaRPr kumimoji="1" lang="zh-TW" altLang="en-US"/>
           </a:p>
@@ -413,7 +413,7 @@
           <a:p>
             <a:fld id="{1275B7D5-ECED-DF4E-BB73-B5E0B2FB5FA7}" type="datetimeFigureOut">
               <a:rPr kumimoji="1" lang="zh-TW" altLang="en-US" smtClean="0"/>
-              <a:t>2019/5/2</a:t>
+              <a:t>2019/5/3</a:t>
             </a:fld>
             <a:endParaRPr kumimoji="1" lang="zh-TW" altLang="en-US"/>
           </a:p>
@@ -593,7 +593,7 @@
           <a:p>
             <a:fld id="{1275B7D5-ECED-DF4E-BB73-B5E0B2FB5FA7}" type="datetimeFigureOut">
               <a:rPr kumimoji="1" lang="zh-TW" altLang="en-US" smtClean="0"/>
-              <a:t>2019/5/2</a:t>
+              <a:t>2019/5/3</a:t>
             </a:fld>
             <a:endParaRPr kumimoji="1" lang="zh-TW" altLang="en-US"/>
           </a:p>
@@ -763,7 +763,7 @@
           <a:p>
             <a:fld id="{1275B7D5-ECED-DF4E-BB73-B5E0B2FB5FA7}" type="datetimeFigureOut">
               <a:rPr kumimoji="1" lang="zh-TW" altLang="en-US" smtClean="0"/>
-              <a:t>2019/5/2</a:t>
+              <a:t>2019/5/3</a:t>
             </a:fld>
             <a:endParaRPr kumimoji="1" lang="zh-TW" altLang="en-US"/>
           </a:p>
@@ -1009,7 +1009,7 @@
           <a:p>
             <a:fld id="{1275B7D5-ECED-DF4E-BB73-B5E0B2FB5FA7}" type="datetimeFigureOut">
               <a:rPr kumimoji="1" lang="zh-TW" altLang="en-US" smtClean="0"/>
-              <a:t>2019/5/2</a:t>
+              <a:t>2019/5/3</a:t>
             </a:fld>
             <a:endParaRPr kumimoji="1" lang="zh-TW" altLang="en-US"/>
           </a:p>
@@ -1241,7 +1241,7 @@
           <a:p>
             <a:fld id="{1275B7D5-ECED-DF4E-BB73-B5E0B2FB5FA7}" type="datetimeFigureOut">
               <a:rPr kumimoji="1" lang="zh-TW" altLang="en-US" smtClean="0"/>
-              <a:t>2019/5/2</a:t>
+              <a:t>2019/5/3</a:t>
             </a:fld>
             <a:endParaRPr kumimoji="1" lang="zh-TW" altLang="en-US"/>
           </a:p>
@@ -1608,7 +1608,7 @@
           <a:p>
             <a:fld id="{1275B7D5-ECED-DF4E-BB73-B5E0B2FB5FA7}" type="datetimeFigureOut">
               <a:rPr kumimoji="1" lang="zh-TW" altLang="en-US" smtClean="0"/>
-              <a:t>2019/5/2</a:t>
+              <a:t>2019/5/3</a:t>
             </a:fld>
             <a:endParaRPr kumimoji="1" lang="zh-TW" altLang="en-US"/>
           </a:p>
@@ -1726,7 +1726,7 @@
           <a:p>
             <a:fld id="{1275B7D5-ECED-DF4E-BB73-B5E0B2FB5FA7}" type="datetimeFigureOut">
               <a:rPr kumimoji="1" lang="zh-TW" altLang="en-US" smtClean="0"/>
-              <a:t>2019/5/2</a:t>
+              <a:t>2019/5/3</a:t>
             </a:fld>
             <a:endParaRPr kumimoji="1" lang="zh-TW" altLang="en-US"/>
           </a:p>
@@ -1821,7 +1821,7 @@
           <a:p>
             <a:fld id="{1275B7D5-ECED-DF4E-BB73-B5E0B2FB5FA7}" type="datetimeFigureOut">
               <a:rPr kumimoji="1" lang="zh-TW" altLang="en-US" smtClean="0"/>
-              <a:t>2019/5/2</a:t>
+              <a:t>2019/5/3</a:t>
             </a:fld>
             <a:endParaRPr kumimoji="1" lang="zh-TW" altLang="en-US"/>
           </a:p>
@@ -2098,7 +2098,7 @@
           <a:p>
             <a:fld id="{1275B7D5-ECED-DF4E-BB73-B5E0B2FB5FA7}" type="datetimeFigureOut">
               <a:rPr kumimoji="1" lang="zh-TW" altLang="en-US" smtClean="0"/>
-              <a:t>2019/5/2</a:t>
+              <a:t>2019/5/3</a:t>
             </a:fld>
             <a:endParaRPr kumimoji="1" lang="zh-TW" altLang="en-US"/>
           </a:p>
@@ -2351,7 +2351,7 @@
           <a:p>
             <a:fld id="{1275B7D5-ECED-DF4E-BB73-B5E0B2FB5FA7}" type="datetimeFigureOut">
               <a:rPr kumimoji="1" lang="zh-TW" altLang="en-US" smtClean="0"/>
-              <a:t>2019/5/2</a:t>
+              <a:t>2019/5/3</a:t>
             </a:fld>
             <a:endParaRPr kumimoji="1" lang="zh-TW" altLang="en-US"/>
           </a:p>
@@ -2564,7 +2564,7 @@
           <a:p>
             <a:fld id="{1275B7D5-ECED-DF4E-BB73-B5E0B2FB5FA7}" type="datetimeFigureOut">
               <a:rPr kumimoji="1" lang="zh-TW" altLang="en-US" smtClean="0"/>
-              <a:t>2019/5/2</a:t>
+              <a:t>2019/5/3</a:t>
             </a:fld>
             <a:endParaRPr kumimoji="1" lang="zh-TW" altLang="en-US"/>
           </a:p>
@@ -4453,8 +4453,18 @@
                   </a:schemeClr>
                 </a:solidFill>
               </a:rPr>
-              <a:t>h4</a:t>
-            </a:r>
+              <a:t>Y</a:t>
+            </a:r>
+            <a:br>
+              <a:rPr kumimoji="1" lang="en-US" altLang="zh-TW" sz="3200" dirty="0" smtClean="0">
+                <a:solidFill>
+                  <a:schemeClr val="tx1">
+                    <a:lumMod val="65000"/>
+                    <a:lumOff val="35000"/>
+                  </a:schemeClr>
+                </a:solidFill>
+              </a:rPr>
+            </a:br>
             <a:endParaRPr kumimoji="1" lang="en-US" altLang="zh-TW" sz="3200" dirty="0">
               <a:solidFill>
                 <a:schemeClr val="tx1">
